--- a/01-CourseIntroduction/CourseIntroduction.pptx
+++ b/01-CourseIntroduction/CourseIntroduction.pptx
@@ -5,16 +5,15 @@
     <p:sldMasterId id="2147484995" r:id="rId1"/>
   </p:sldMasterIdLst>
   <p:notesMasterIdLst>
-    <p:notesMasterId r:id="rId6"/>
+    <p:notesMasterId r:id="rId5"/>
   </p:notesMasterIdLst>
   <p:handoutMasterIdLst>
-    <p:handoutMasterId r:id="rId7"/>
+    <p:handoutMasterId r:id="rId6"/>
   </p:handoutMasterIdLst>
   <p:sldIdLst>
     <p:sldId id="256" r:id="rId2"/>
-    <p:sldId id="266" r:id="rId3"/>
-    <p:sldId id="265" r:id="rId4"/>
-    <p:sldId id="264" r:id="rId5"/>
+    <p:sldId id="265" r:id="rId3"/>
+    <p:sldId id="264" r:id="rId4"/>
   </p:sldIdLst>
   <p:sldSz cx="12192000" cy="6858000"/>
   <p:notesSz cx="9144000" cy="6858000"/>
@@ -203,7 +202,7 @@
           <a:p>
             <a:fld id="{C106EF3D-C2A7-4690-80C8-C2473A856193}" type="datetimeFigureOut">
               <a:rPr lang="pl-PL" smtClean="0"/>
-              <a:t>2020-02-23</a:t>
+              <a:t>2020-03-15</a:t>
             </a:fld>
             <a:endParaRPr lang="pl-PL" dirty="0"/>
           </a:p>
@@ -368,7 +367,7 @@
           <a:p>
             <a:fld id="{85D68E81-03CD-43A1-B18B-BEB6B9439387}" type="datetimeFigureOut">
               <a:rPr lang="pl-PL" smtClean="0"/>
-              <a:t>2020-02-23</a:t>
+              <a:t>2020-03-15</a:t>
             </a:fld>
             <a:endParaRPr lang="pl-PL" dirty="0"/>
           </a:p>
@@ -764,7 +763,7 @@
           <a:p>
             <a:fld id="{F26B3061-B9B7-461F-AB67-5D66A3ABCDA5}" type="datetime1">
               <a:rPr lang="pl-PL" smtClean="0"/>
-              <a:t>2020-02-23</a:t>
+              <a:t>2020-03-15</a:t>
             </a:fld>
             <a:endParaRPr lang="pl-PL" dirty="0"/>
           </a:p>
@@ -1039,7 +1038,7 @@
           <a:p>
             <a:fld id="{A2ADAE54-1728-4B6D-BEF4-D2AEA4F8114E}" type="datetime1">
               <a:rPr lang="pl-PL" smtClean="0"/>
-              <a:t>2020-02-23</a:t>
+              <a:t>2020-03-15</a:t>
             </a:fld>
             <a:endParaRPr lang="pl-PL" dirty="0"/>
           </a:p>
@@ -1291,7 +1290,7 @@
           <a:p>
             <a:fld id="{919C3B4F-179D-44ED-90DF-E8739DC8608F}" type="datetime1">
               <a:rPr lang="pl-PL" smtClean="0"/>
-              <a:t>2020-02-23</a:t>
+              <a:t>2020-03-15</a:t>
             </a:fld>
             <a:endParaRPr lang="pl-PL" dirty="0"/>
           </a:p>
@@ -1459,7 +1458,7 @@
           <a:p>
             <a:fld id="{10A2297D-8C4B-4C5B-B66E-47E601842B03}" type="datetime1">
               <a:rPr lang="pl-PL" smtClean="0"/>
-              <a:t>2020-02-23</a:t>
+              <a:t>2020-03-15</a:t>
             </a:fld>
             <a:endParaRPr lang="pl-PL" dirty="0"/>
           </a:p>
@@ -1637,7 +1636,7 @@
           <a:p>
             <a:fld id="{94B42B50-113C-45E3-9231-B66C297B394E}" type="datetime1">
               <a:rPr lang="pl-PL" smtClean="0"/>
-              <a:t>2020-02-23</a:t>
+              <a:t>2020-03-15</a:t>
             </a:fld>
             <a:endParaRPr lang="pl-PL" dirty="0"/>
           </a:p>
@@ -1794,7 +1793,7 @@
           <a:p>
             <a:fld id="{9549FAE5-AB97-492F-ADAE-06E72624D9F3}" type="datetime1">
               <a:rPr lang="pl-PL" smtClean="0"/>
-              <a:t>2020-02-23</a:t>
+              <a:t>2020-03-15</a:t>
             </a:fld>
             <a:endParaRPr lang="pl-PL" dirty="0"/>
           </a:p>
@@ -1982,7 +1981,7 @@
           <a:p>
             <a:fld id="{9549FAE5-AB97-492F-ADAE-06E72624D9F3}" type="datetime1">
               <a:rPr lang="pl-PL" smtClean="0"/>
-              <a:t>2020-02-23</a:t>
+              <a:t>2020-03-15</a:t>
             </a:fld>
             <a:endParaRPr lang="pl-PL" dirty="0"/>
           </a:p>
@@ -2169,7 +2168,7 @@
           <a:p>
             <a:fld id="{9549FAE5-AB97-492F-ADAE-06E72624D9F3}" type="datetime1">
               <a:rPr lang="pl-PL" smtClean="0"/>
-              <a:t>2020-02-23</a:t>
+              <a:t>2020-03-15</a:t>
             </a:fld>
             <a:endParaRPr lang="pl-PL" dirty="0"/>
           </a:p>
@@ -2441,7 +2440,7 @@
           <a:p>
             <a:fld id="{ED0EDA0A-F020-4B01-AF63-E290248EFD6B}" type="datetime1">
               <a:rPr lang="pl-PL" smtClean="0"/>
-              <a:t>2020-02-23</a:t>
+              <a:t>2020-03-15</a:t>
             </a:fld>
             <a:endParaRPr lang="pl-PL" dirty="0"/>
           </a:p>
@@ -2697,7 +2696,7 @@
           <a:p>
             <a:fld id="{8B752FBA-2CC8-4F32-B36A-B6E16B4A5C14}" type="datetime1">
               <a:rPr lang="pl-PL" smtClean="0"/>
-              <a:t>2020-02-23</a:t>
+              <a:t>2020-03-15</a:t>
             </a:fld>
             <a:endParaRPr lang="pl-PL" dirty="0"/>
           </a:p>
@@ -3083,7 +3082,7 @@
           <a:p>
             <a:fld id="{3B7BA32A-B79B-42FE-906A-2593AD6A7FCC}" type="datetime1">
               <a:rPr lang="pl-PL" smtClean="0"/>
-              <a:t>2020-02-23</a:t>
+              <a:t>2020-03-15</a:t>
             </a:fld>
             <a:endParaRPr lang="pl-PL" dirty="0"/>
           </a:p>
@@ -3205,7 +3204,7 @@
           <a:p>
             <a:fld id="{3E28EDCB-CC2B-4C70-B921-DD5382BD4849}" type="datetime1">
               <a:rPr lang="pl-PL" smtClean="0"/>
-              <a:t>2020-02-23</a:t>
+              <a:t>2020-03-15</a:t>
             </a:fld>
             <a:endParaRPr lang="pl-PL" dirty="0"/>
           </a:p>
@@ -3300,7 +3299,7 @@
           <a:p>
             <a:fld id="{E960CF9B-2F8C-4614-93FE-75BD5748BF99}" type="datetime1">
               <a:rPr lang="pl-PL" smtClean="0"/>
-              <a:t>2020-02-23</a:t>
+              <a:t>2020-03-15</a:t>
             </a:fld>
             <a:endParaRPr lang="pl-PL" dirty="0"/>
           </a:p>
@@ -3516,7 +3515,7 @@
           <a:p>
             <a:fld id="{8F276EAB-4011-4C81-ACEC-B79731A9A244}" type="datetime1">
               <a:rPr lang="pl-PL" smtClean="0"/>
-              <a:t>2020-02-23</a:t>
+              <a:t>2020-03-15</a:t>
             </a:fld>
             <a:endParaRPr lang="pl-PL" dirty="0"/>
           </a:p>
@@ -4002,10 +4001,10 @@
       </p:grpSpPr>
       <p:sp>
         <p:nvSpPr>
-          <p:cNvPr id="4" name="Tytuł 3">
+          <p:cNvPr id="2" name="Symbol zastępczy zawartości 1">
             <a:extLst>
               <a:ext uri="{FF2B5EF4-FFF2-40B4-BE49-F238E27FC236}">
-                <a16:creationId xmlns:a16="http://schemas.microsoft.com/office/drawing/2014/main" id="{9EABDF73-F694-410A-85E7-656F8D9795F1}"/>
+                <a16:creationId xmlns:a16="http://schemas.microsoft.com/office/drawing/2014/main" id="{75A9256D-41A5-4781-B66D-101EE75DECC5}"/>
               </a:ext>
             </a:extLst>
           </p:cNvPr>
@@ -4013,7 +4012,7 @@
             <a:spLocks noGrp="1"/>
           </p:cNvSpPr>
           <p:nvPr>
-            <p:ph type="title"/>
+            <p:ph idx="1"/>
           </p:nvPr>
         </p:nvSpPr>
         <p:spPr/>
@@ -4023,175 +4022,64 @@
           <a:p>
             <a:r>
               <a:rPr lang="pl-PL" dirty="0"/>
-              <a:t>Course Content</a:t>
-            </a:r>
-          </a:p>
-        </p:txBody>
-      </p:sp>
-      <p:sp>
-        <p:nvSpPr>
-          <p:cNvPr id="5" name="Symbol zastępczy zawartości 4">
-            <a:extLst>
-              <a:ext uri="{FF2B5EF4-FFF2-40B4-BE49-F238E27FC236}">
-                <a16:creationId xmlns:a16="http://schemas.microsoft.com/office/drawing/2014/main" id="{8922FD2C-BE20-4783-80E3-B636C9B629C6}"/>
-              </a:ext>
-            </a:extLst>
-          </p:cNvPr>
-          <p:cNvSpPr>
-            <a:spLocks noGrp="1"/>
-          </p:cNvSpPr>
-          <p:nvPr>
-            <p:ph sz="half" idx="1"/>
-          </p:nvPr>
-        </p:nvSpPr>
-        <p:spPr/>
-        <p:txBody>
-          <a:bodyPr/>
-          <a:lstStyle/>
+              <a:t>Course </a:t>
+            </a:r>
+            <a:r>
+              <a:rPr lang="pl-PL" dirty="0" err="1"/>
+              <a:t>repository</a:t>
+            </a:r>
+            <a:endParaRPr lang="pl-PL" dirty="0"/>
+          </a:p>
           <a:p>
             <a:r>
               <a:rPr lang="pl-PL" dirty="0"/>
-              <a:t>01-</a:t>
+              <a:t>	</a:t>
             </a:r>
             <a:r>
               <a:rPr lang="pl-PL" dirty="0" err="1"/>
-              <a:t>CourseIntroduction</a:t>
+              <a:t>Github</a:t>
             </a:r>
             <a:endParaRPr lang="pl-PL" dirty="0"/>
           </a:p>
           <a:p>
             <a:r>
               <a:rPr lang="pl-PL" dirty="0"/>
-              <a:t>02-</a:t>
+              <a:t>	</a:t>
             </a:r>
             <a:r>
               <a:rPr lang="pl-PL" dirty="0" err="1"/>
-              <a:t>JSCoreConcepts</a:t>
-            </a:r>
-            <a:endParaRPr lang="pl-PL" dirty="0"/>
-          </a:p>
-          <a:p>
+              <a:t>Students</a:t>
+            </a:r>
+            <a:r>
+              <a:rPr lang="pl-PL" dirty="0"/>
+              <a:t>’ </a:t>
+            </a:r>
             <a:r>
               <a:rPr lang="pl-PL" dirty="0" err="1"/>
-              <a:t>03-DOM&amp;HandlingEvents</a:t>
+              <a:t>Fork</a:t>
             </a:r>
             <a:endParaRPr lang="pl-PL" dirty="0"/>
           </a:p>
           <a:p>
             <a:r>
               <a:rPr lang="pl-PL" dirty="0" err="1"/>
-              <a:t>04-JSON&amp;DataTransfer</a:t>
-            </a:r>
-            <a:endParaRPr lang="pl-PL" dirty="0"/>
-          </a:p>
-          <a:p>
+              <a:t>Moodle</a:t>
+            </a:r>
             <a:r>
               <a:rPr lang="pl-PL" dirty="0"/>
-              <a:t>05-</a:t>
-            </a:r>
-            <a:r>
-              <a:rPr lang="pl-PL" dirty="0" err="1"/>
-              <a:t>VueFundamentals</a:t>
-            </a:r>
-            <a:endParaRPr lang="pl-PL" dirty="0"/>
+              <a:t> Course</a:t>
+            </a:r>
           </a:p>
           <a:p>
             <a:r>
               <a:rPr lang="pl-PL" dirty="0"/>
-              <a:t>06-</a:t>
-            </a:r>
-            <a:r>
-              <a:rPr lang="pl-PL" dirty="0" err="1"/>
-              <a:t>VueDataBinding</a:t>
-            </a:r>
-            <a:endParaRPr lang="pl-PL" dirty="0"/>
-          </a:p>
-        </p:txBody>
-      </p:sp>
-      <p:sp>
-        <p:nvSpPr>
-          <p:cNvPr id="6" name="Symbol zastępczy zawartości 5">
-            <a:extLst>
-              <a:ext uri="{FF2B5EF4-FFF2-40B4-BE49-F238E27FC236}">
-                <a16:creationId xmlns:a16="http://schemas.microsoft.com/office/drawing/2014/main" id="{34BCF6CC-95F8-44DD-886A-1D120E5DB020}"/>
-              </a:ext>
-            </a:extLst>
-          </p:cNvPr>
-          <p:cNvSpPr>
-            <a:spLocks noGrp="1"/>
-          </p:cNvSpPr>
-          <p:nvPr>
-            <p:ph sz="half" idx="2"/>
-          </p:nvPr>
-        </p:nvSpPr>
-        <p:spPr/>
-        <p:txBody>
-          <a:bodyPr/>
-          <a:lstStyle/>
-          <a:p>
-            <a:r>
-              <a:rPr lang="pl-PL" dirty="0"/>
-              <a:t>07-</a:t>
-            </a:r>
-            <a:r>
-              <a:rPr lang="pl-PL" dirty="0" err="1"/>
-              <a:t>VueComponents</a:t>
-            </a:r>
-            <a:endParaRPr lang="pl-PL" dirty="0"/>
-          </a:p>
-          <a:p>
-            <a:r>
-              <a:rPr lang="pl-PL" dirty="0"/>
-              <a:t>08-</a:t>
-            </a:r>
-            <a:r>
-              <a:rPr lang="pl-PL" dirty="0" err="1"/>
-              <a:t>ProjectSpecification</a:t>
-            </a:r>
-            <a:endParaRPr lang="pl-PL" dirty="0"/>
-          </a:p>
-          <a:p>
-            <a:r>
-              <a:rPr lang="pl-PL" dirty="0"/>
-              <a:t>09-</a:t>
-            </a:r>
-            <a:r>
-              <a:rPr lang="pl-PL" dirty="0" err="1"/>
-              <a:t>FinalTest</a:t>
-            </a:r>
-            <a:endParaRPr lang="pl-PL" dirty="0"/>
-          </a:p>
-          <a:p>
-            <a:r>
-              <a:rPr lang="pl-PL" dirty="0"/>
-              <a:t>10-</a:t>
-            </a:r>
-            <a:r>
-              <a:rPr lang="pl-PL" dirty="0" err="1"/>
-              <a:t>ProjectImplementation</a:t>
-            </a:r>
-            <a:endParaRPr lang="pl-PL" dirty="0"/>
-          </a:p>
-          <a:p>
-            <a:r>
-              <a:rPr lang="pl-PL" dirty="0"/>
-              <a:t>11-</a:t>
-            </a:r>
-            <a:r>
-              <a:rPr lang="pl-PL" dirty="0" err="1"/>
-              <a:t>FinalTestRetake</a:t>
-            </a:r>
-            <a:endParaRPr lang="pl-PL" dirty="0"/>
-          </a:p>
-          <a:p>
-            <a:r>
-              <a:rPr lang="pl-PL" dirty="0"/>
-              <a:t>12-</a:t>
-            </a:r>
-            <a:r>
-              <a:rPr lang="pl-PL" dirty="0" err="1"/>
-              <a:t>ProjectAssessment</a:t>
-            </a:r>
+              <a:t>	</a:t>
+            </a:r>
+          </a:p>
+          <a:p>
+            <a:endParaRPr lang="pl-PL" dirty="0"/>
+          </a:p>
+          <a:p>
             <a:endParaRPr lang="pl-PL" dirty="0"/>
           </a:p>
         </p:txBody>
@@ -4201,7 +4089,7 @@
           <p:cNvPr id="3" name="Symbol zastępczy numeru slajdu 2">
             <a:extLst>
               <a:ext uri="{FF2B5EF4-FFF2-40B4-BE49-F238E27FC236}">
-                <a16:creationId xmlns:a16="http://schemas.microsoft.com/office/drawing/2014/main" id="{C260F55B-43CF-4712-A091-169DB24DA707}"/>
+                <a16:creationId xmlns:a16="http://schemas.microsoft.com/office/drawing/2014/main" id="{81368871-794F-4D98-9B95-A46D5BBAE31C}"/>
               </a:ext>
             </a:extLst>
           </p:cNvPr>
@@ -4225,10 +4113,43 @@
           </a:p>
         </p:txBody>
       </p:sp>
+      <p:sp>
+        <p:nvSpPr>
+          <p:cNvPr id="4" name="Tytuł 3">
+            <a:extLst>
+              <a:ext uri="{FF2B5EF4-FFF2-40B4-BE49-F238E27FC236}">
+                <a16:creationId xmlns:a16="http://schemas.microsoft.com/office/drawing/2014/main" id="{3E8D2CA5-163C-4099-B736-2FAECD019881}"/>
+              </a:ext>
+            </a:extLst>
+          </p:cNvPr>
+          <p:cNvSpPr>
+            <a:spLocks noGrp="1"/>
+          </p:cNvSpPr>
+          <p:nvPr>
+            <p:ph type="title"/>
+          </p:nvPr>
+        </p:nvSpPr>
+        <p:spPr/>
+        <p:txBody>
+          <a:bodyPr/>
+          <a:lstStyle/>
+          <a:p>
+            <a:r>
+              <a:rPr lang="pl-PL" dirty="0"/>
+              <a:t>Course </a:t>
+            </a:r>
+            <a:r>
+              <a:rPr lang="pl-PL" dirty="0" err="1"/>
+              <a:t>Resources</a:t>
+            </a:r>
+            <a:endParaRPr lang="pl-PL" dirty="0"/>
+          </a:p>
+        </p:txBody>
+      </p:sp>
     </p:spTree>
     <p:extLst>
       <p:ext uri="{BB962C8B-B14F-4D97-AF65-F5344CB8AC3E}">
-        <p14:creationId xmlns:p14="http://schemas.microsoft.com/office/powerpoint/2010/main" val="1778314880"/>
+        <p14:creationId xmlns:p14="http://schemas.microsoft.com/office/powerpoint/2010/main" val="783442309"/>
       </p:ext>
     </p:extLst>
   </p:cSld>
@@ -4257,13 +4178,7 @@
       </p:grpSpPr>
       <p:sp>
         <p:nvSpPr>
-          <p:cNvPr id="2" name="Symbol zastępczy zawartości 1">
-            <a:extLst>
-              <a:ext uri="{FF2B5EF4-FFF2-40B4-BE49-F238E27FC236}">
-                <a16:creationId xmlns:a16="http://schemas.microsoft.com/office/drawing/2014/main" id="{75A9256D-41A5-4781-B66D-101EE75DECC5}"/>
-              </a:ext>
-            </a:extLst>
-          </p:cNvPr>
+          <p:cNvPr id="2" name="Symbol zastępczy zawartości 1"/>
           <p:cNvSpPr>
             <a:spLocks noGrp="1"/>
           </p:cNvSpPr>
@@ -4273,82 +4188,77 @@
         </p:nvSpPr>
         <p:spPr/>
         <p:txBody>
-          <a:bodyPr/>
-          <a:lstStyle/>
+          <a:bodyPr>
+            <a:normAutofit/>
+          </a:bodyPr>
+          <a:lstStyle/>
+          <a:p>
+            <a:r>
+              <a:rPr lang="pl-PL" noProof="0" dirty="0"/>
+              <a:t>Obecności: 		0-20 pkt (zaliczenie min. 10 pkt / 50%)</a:t>
+            </a:r>
+          </a:p>
           <a:p>
             <a:r>
               <a:rPr lang="pl-PL" dirty="0"/>
+              <a:t>Kolokwium: 	0-40 pkt (zaliczenie min. 20 pkt / 50%)</a:t>
+            </a:r>
+          </a:p>
+          <a:p>
+            <a:r>
+              <a:rPr lang="pl-PL" noProof="0" dirty="0"/>
+              <a:t>Projekt: 		0-40 pkt (zaliczenie min. </a:t>
+            </a:r>
+            <a:r>
+              <a:rPr lang="pl-PL" dirty="0"/>
+              <a:t>20 pkt / 50%)</a:t>
+            </a:r>
+            <a:endParaRPr lang="pl-PL" noProof="0" dirty="0"/>
+          </a:p>
+          <a:p>
+            <a:r>
+              <a:rPr lang="pl-PL" dirty="0"/>
+              <a:t>RAZEM: 		0-100 pkt (zaliczenie min. 50 pkt / 50%)</a:t>
+            </a:r>
+          </a:p>
+          <a:p>
+            <a:r>
+              <a:rPr lang="pl-PL" noProof="0" dirty="0"/>
+              <a:t>Warunkiem zaliczenia kursu jest zaliczenie każdego z wymienionych elementów.</a:t>
+            </a:r>
+          </a:p>
+        </p:txBody>
+      </p:sp>
+      <p:sp>
+        <p:nvSpPr>
+          <p:cNvPr id="3" name="Tytuł 2"/>
+          <p:cNvSpPr>
+            <a:spLocks noGrp="1"/>
+          </p:cNvSpPr>
+          <p:nvPr>
+            <p:ph type="title"/>
+          </p:nvPr>
+        </p:nvSpPr>
+        <p:spPr/>
+        <p:txBody>
+          <a:bodyPr/>
+          <a:lstStyle/>
+          <a:p>
+            <a:r>
+              <a:rPr lang="pl-PL" noProof="0" dirty="0"/>
               <a:t>Course </a:t>
             </a:r>
             <a:r>
-              <a:rPr lang="pl-PL" dirty="0" err="1"/>
-              <a:t>repository</a:t>
-            </a:r>
-            <a:endParaRPr lang="pl-PL" dirty="0"/>
-          </a:p>
-          <a:p>
-            <a:r>
-              <a:rPr lang="pl-PL" dirty="0"/>
-              <a:t>	</a:t>
-            </a:r>
-            <a:r>
-              <a:rPr lang="pl-PL" dirty="0" err="1"/>
-              <a:t>Github</a:t>
-            </a:r>
-            <a:endParaRPr lang="pl-PL" dirty="0"/>
-          </a:p>
-          <a:p>
-            <a:r>
-              <a:rPr lang="pl-PL" dirty="0"/>
-              <a:t>	</a:t>
-            </a:r>
-            <a:r>
-              <a:rPr lang="pl-PL" dirty="0" err="1"/>
-              <a:t>Students</a:t>
-            </a:r>
-            <a:r>
-              <a:rPr lang="pl-PL" dirty="0"/>
-              <a:t>’ </a:t>
-            </a:r>
-            <a:r>
-              <a:rPr lang="pl-PL" dirty="0" err="1"/>
-              <a:t>Fork</a:t>
-            </a:r>
-            <a:endParaRPr lang="pl-PL" dirty="0"/>
-          </a:p>
-          <a:p>
-            <a:r>
-              <a:rPr lang="pl-PL" dirty="0" err="1"/>
-              <a:t>Moodle</a:t>
-            </a:r>
-            <a:r>
-              <a:rPr lang="pl-PL" dirty="0"/>
-              <a:t> Course</a:t>
-            </a:r>
-          </a:p>
-          <a:p>
-            <a:r>
-              <a:rPr lang="pl-PL" dirty="0"/>
-              <a:t>	</a:t>
-            </a:r>
-          </a:p>
-          <a:p>
-            <a:endParaRPr lang="pl-PL" dirty="0"/>
-          </a:p>
-          <a:p>
-            <a:endParaRPr lang="pl-PL" dirty="0"/>
-          </a:p>
-        </p:txBody>
-      </p:sp>
-      <p:sp>
-        <p:nvSpPr>
-          <p:cNvPr id="3" name="Symbol zastępczy numeru slajdu 2">
-            <a:extLst>
-              <a:ext uri="{FF2B5EF4-FFF2-40B4-BE49-F238E27FC236}">
-                <a16:creationId xmlns:a16="http://schemas.microsoft.com/office/drawing/2014/main" id="{81368871-794F-4D98-9B95-A46D5BBAE31C}"/>
-              </a:ext>
-            </a:extLst>
-          </p:cNvPr>
+              <a:rPr lang="pl-PL" noProof="0" dirty="0" err="1"/>
+              <a:t>Conditions</a:t>
+            </a:r>
+            <a:endParaRPr lang="en-GB" noProof="0" dirty="0"/>
+          </a:p>
+        </p:txBody>
+      </p:sp>
+      <p:sp>
+        <p:nvSpPr>
+          <p:cNvPr id="4" name="Symbol zastępczy numeru slajdu 3"/>
           <p:cNvSpPr>
             <a:spLocks noGrp="1"/>
           </p:cNvSpPr>
@@ -4364,172 +4274,6 @@
             <a:fld id="{254C963F-D690-449C-B336-8B464EE7B8DB}" type="slidenum">
               <a:rPr lang="pl-PL" smtClean="0"/>
               <a:t>3</a:t>
-            </a:fld>
-            <a:endParaRPr lang="pl-PL" dirty="0"/>
-          </a:p>
-        </p:txBody>
-      </p:sp>
-      <p:sp>
-        <p:nvSpPr>
-          <p:cNvPr id="4" name="Tytuł 3">
-            <a:extLst>
-              <a:ext uri="{FF2B5EF4-FFF2-40B4-BE49-F238E27FC236}">
-                <a16:creationId xmlns:a16="http://schemas.microsoft.com/office/drawing/2014/main" id="{3E8D2CA5-163C-4099-B736-2FAECD019881}"/>
-              </a:ext>
-            </a:extLst>
-          </p:cNvPr>
-          <p:cNvSpPr>
-            <a:spLocks noGrp="1"/>
-          </p:cNvSpPr>
-          <p:nvPr>
-            <p:ph type="title"/>
-          </p:nvPr>
-        </p:nvSpPr>
-        <p:spPr/>
-        <p:txBody>
-          <a:bodyPr/>
-          <a:lstStyle/>
-          <a:p>
-            <a:r>
-              <a:rPr lang="pl-PL" dirty="0"/>
-              <a:t>Course </a:t>
-            </a:r>
-            <a:r>
-              <a:rPr lang="pl-PL" dirty="0" err="1"/>
-              <a:t>Resources</a:t>
-            </a:r>
-            <a:endParaRPr lang="pl-PL" dirty="0"/>
-          </a:p>
-        </p:txBody>
-      </p:sp>
-    </p:spTree>
-    <p:extLst>
-      <p:ext uri="{BB962C8B-B14F-4D97-AF65-F5344CB8AC3E}">
-        <p14:creationId xmlns:p14="http://schemas.microsoft.com/office/powerpoint/2010/main" val="783442309"/>
-      </p:ext>
-    </p:extLst>
-  </p:cSld>
-  <p:clrMapOvr>
-    <a:masterClrMapping/>
-  </p:clrMapOvr>
-</p:sld>
-</file>
-
-<file path=ppt/slides/slide4.xml><?xml version="1.0" encoding="utf-8"?>
-<p:sld xmlns:a="http://schemas.openxmlformats.org/drawingml/2006/main" xmlns:r="http://schemas.openxmlformats.org/officeDocument/2006/relationships" xmlns:p="http://schemas.openxmlformats.org/presentationml/2006/main">
-  <p:cSld>
-    <p:spTree>
-      <p:nvGrpSpPr>
-        <p:cNvPr id="1" name=""/>
-        <p:cNvGrpSpPr/>
-        <p:nvPr/>
-      </p:nvGrpSpPr>
-      <p:grpSpPr>
-        <a:xfrm>
-          <a:off x="0" y="0"/>
-          <a:ext cx="0" cy="0"/>
-          <a:chOff x="0" y="0"/>
-          <a:chExt cx="0" cy="0"/>
-        </a:xfrm>
-      </p:grpSpPr>
-      <p:sp>
-        <p:nvSpPr>
-          <p:cNvPr id="2" name="Symbol zastępczy zawartości 1"/>
-          <p:cNvSpPr>
-            <a:spLocks noGrp="1"/>
-          </p:cNvSpPr>
-          <p:nvPr>
-            <p:ph idx="1"/>
-          </p:nvPr>
-        </p:nvSpPr>
-        <p:spPr/>
-        <p:txBody>
-          <a:bodyPr>
-            <a:normAutofit/>
-          </a:bodyPr>
-          <a:lstStyle/>
-          <a:p>
-            <a:r>
-              <a:rPr lang="pl-PL" noProof="0" dirty="0"/>
-              <a:t>Obecności: 		0-20 pkt (zaliczenie min. 10 pkt / 50%)</a:t>
-            </a:r>
-          </a:p>
-          <a:p>
-            <a:r>
-              <a:rPr lang="pl-PL" dirty="0"/>
-              <a:t>Kolokwium: 	0-40 pkt (zaliczenie min. 20 pkt / 50%)</a:t>
-            </a:r>
-          </a:p>
-          <a:p>
-            <a:r>
-              <a:rPr lang="pl-PL" noProof="0" dirty="0"/>
-              <a:t>Projekt: 		0-40 pkt (zaliczenie min. </a:t>
-            </a:r>
-            <a:r>
-              <a:rPr lang="pl-PL" dirty="0"/>
-              <a:t>20 pkt / 50%)</a:t>
-            </a:r>
-            <a:endParaRPr lang="pl-PL" noProof="0" dirty="0"/>
-          </a:p>
-          <a:p>
-            <a:r>
-              <a:rPr lang="pl-PL" dirty="0"/>
-              <a:t>RAZEM: 		0-100 pkt (zaliczenie min. 50 pkt / 50%)</a:t>
-            </a:r>
-          </a:p>
-          <a:p>
-            <a:r>
-              <a:rPr lang="pl-PL" noProof="0" dirty="0"/>
-              <a:t>Warunkiem zaliczenia kursu jest zaliczenie każdego z wymienionych elementów.</a:t>
-            </a:r>
-          </a:p>
-        </p:txBody>
-      </p:sp>
-      <p:sp>
-        <p:nvSpPr>
-          <p:cNvPr id="3" name="Tytuł 2"/>
-          <p:cNvSpPr>
-            <a:spLocks noGrp="1"/>
-          </p:cNvSpPr>
-          <p:nvPr>
-            <p:ph type="title"/>
-          </p:nvPr>
-        </p:nvSpPr>
-        <p:spPr/>
-        <p:txBody>
-          <a:bodyPr/>
-          <a:lstStyle/>
-          <a:p>
-            <a:r>
-              <a:rPr lang="pl-PL" noProof="0" dirty="0"/>
-              <a:t>Course </a:t>
-            </a:r>
-            <a:r>
-              <a:rPr lang="pl-PL" noProof="0" dirty="0" err="1"/>
-              <a:t>Conditions</a:t>
-            </a:r>
-            <a:endParaRPr lang="en-GB" noProof="0" dirty="0"/>
-          </a:p>
-        </p:txBody>
-      </p:sp>
-      <p:sp>
-        <p:nvSpPr>
-          <p:cNvPr id="4" name="Symbol zastępczy numeru slajdu 3"/>
-          <p:cNvSpPr>
-            <a:spLocks noGrp="1"/>
-          </p:cNvSpPr>
-          <p:nvPr>
-            <p:ph type="sldNum" sz="quarter" idx="12"/>
-          </p:nvPr>
-        </p:nvSpPr>
-        <p:spPr/>
-        <p:txBody>
-          <a:bodyPr/>
-          <a:lstStyle/>
-          <a:p>
-            <a:fld id="{254C963F-D690-449C-B336-8B464EE7B8DB}" type="slidenum">
-              <a:rPr lang="pl-PL" smtClean="0"/>
-              <a:t>4</a:t>
             </a:fld>
             <a:endParaRPr lang="pl-PL" dirty="0"/>
           </a:p>
